--- a/06_NaiveMethod.pptx
+++ b/06_NaiveMethod.pptx
@@ -3723,24 +3723,21 @@
                   <a:schemeClr val="tx1"/>
                 </a:solidFill>
               </a:rPr>
-              <a:t>Use t for actual value and t-1 for mean of </a:t>
-            </a:r>
-            <a:r>
-              <a:rPr lang="en-US" sz="1800" dirty="0" err="1">
+              <a:t>Use t for actual value and t-1 for mean </a:t>
+            </a:r>
+            <a:r>
+              <a:rPr lang="en-US" sz="1800">
                 <a:solidFill>
                   <a:schemeClr val="tx1"/>
                 </a:solidFill>
               </a:rPr>
-              <a:t>serues</a:t>
-            </a:r>
-            <a:r>
-              <a:rPr lang="en-US" sz="1800" dirty="0">
-                <a:solidFill>
-                  <a:schemeClr val="tx1"/>
-                </a:solidFill>
-              </a:rPr>
-              <a:t>,</a:t>
-            </a:r>
+              <a:t>of series.</a:t>
+            </a:r>
+            <a:endParaRPr lang="en-US" sz="1800" dirty="0">
+              <a:solidFill>
+                <a:schemeClr val="tx1"/>
+              </a:solidFill>
+            </a:endParaRPr>
           </a:p>
           <a:p>
             <a:pPr marL="342900" indent="-342900" algn="l">
